--- a/Daily Agendas/Day4.2 AccelerationVectors2D.pptx
+++ b/Daily Agendas/Day4.2 AccelerationVectors2D.pptx
@@ -243,7 +243,7 @@
           <a:p>
             <a:fld id="{DBFDDC6D-30E6-4591-A5D6-EBA4A0A375E4}" type="datetimeFigureOut">
               <a:rPr lang="en-US" smtClean="0"/>
-              <a:t>2/23/2020</a:t>
+              <a:t>2/25/2020</a:t>
             </a:fld>
             <a:endParaRPr lang="en-US"/>
           </a:p>
@@ -413,7 +413,7 @@
           <a:p>
             <a:fld id="{DBFDDC6D-30E6-4591-A5D6-EBA4A0A375E4}" type="datetimeFigureOut">
               <a:rPr lang="en-US" smtClean="0"/>
-              <a:t>2/23/2020</a:t>
+              <a:t>2/25/2020</a:t>
             </a:fld>
             <a:endParaRPr lang="en-US"/>
           </a:p>
@@ -593,7 +593,7 @@
           <a:p>
             <a:fld id="{DBFDDC6D-30E6-4591-A5D6-EBA4A0A375E4}" type="datetimeFigureOut">
               <a:rPr lang="en-US" smtClean="0"/>
-              <a:t>2/23/2020</a:t>
+              <a:t>2/25/2020</a:t>
             </a:fld>
             <a:endParaRPr lang="en-US"/>
           </a:p>
@@ -763,7 +763,7 @@
           <a:p>
             <a:fld id="{DBFDDC6D-30E6-4591-A5D6-EBA4A0A375E4}" type="datetimeFigureOut">
               <a:rPr lang="en-US" smtClean="0"/>
-              <a:t>2/23/2020</a:t>
+              <a:t>2/25/2020</a:t>
             </a:fld>
             <a:endParaRPr lang="en-US"/>
           </a:p>
@@ -1007,7 +1007,7 @@
           <a:p>
             <a:fld id="{DBFDDC6D-30E6-4591-A5D6-EBA4A0A375E4}" type="datetimeFigureOut">
               <a:rPr lang="en-US" smtClean="0"/>
-              <a:t>2/23/2020</a:t>
+              <a:t>2/25/2020</a:t>
             </a:fld>
             <a:endParaRPr lang="en-US"/>
           </a:p>
@@ -1239,7 +1239,7 @@
           <a:p>
             <a:fld id="{DBFDDC6D-30E6-4591-A5D6-EBA4A0A375E4}" type="datetimeFigureOut">
               <a:rPr lang="en-US" smtClean="0"/>
-              <a:t>2/23/2020</a:t>
+              <a:t>2/25/2020</a:t>
             </a:fld>
             <a:endParaRPr lang="en-US"/>
           </a:p>
@@ -1606,7 +1606,7 @@
           <a:p>
             <a:fld id="{DBFDDC6D-30E6-4591-A5D6-EBA4A0A375E4}" type="datetimeFigureOut">
               <a:rPr lang="en-US" smtClean="0"/>
-              <a:t>2/23/2020</a:t>
+              <a:t>2/25/2020</a:t>
             </a:fld>
             <a:endParaRPr lang="en-US"/>
           </a:p>
@@ -1724,7 +1724,7 @@
           <a:p>
             <a:fld id="{DBFDDC6D-30E6-4591-A5D6-EBA4A0A375E4}" type="datetimeFigureOut">
               <a:rPr lang="en-US" smtClean="0"/>
-              <a:t>2/23/2020</a:t>
+              <a:t>2/25/2020</a:t>
             </a:fld>
             <a:endParaRPr lang="en-US"/>
           </a:p>
@@ -1819,7 +1819,7 @@
           <a:p>
             <a:fld id="{DBFDDC6D-30E6-4591-A5D6-EBA4A0A375E4}" type="datetimeFigureOut">
               <a:rPr lang="en-US" smtClean="0"/>
-              <a:t>2/23/2020</a:t>
+              <a:t>2/25/2020</a:t>
             </a:fld>
             <a:endParaRPr lang="en-US"/>
           </a:p>
@@ -2096,7 +2096,7 @@
           <a:p>
             <a:fld id="{DBFDDC6D-30E6-4591-A5D6-EBA4A0A375E4}" type="datetimeFigureOut">
               <a:rPr lang="en-US" smtClean="0"/>
-              <a:t>2/23/2020</a:t>
+              <a:t>2/25/2020</a:t>
             </a:fld>
             <a:endParaRPr lang="en-US"/>
           </a:p>
@@ -2353,7 +2353,7 @@
           <a:p>
             <a:fld id="{DBFDDC6D-30E6-4591-A5D6-EBA4A0A375E4}" type="datetimeFigureOut">
               <a:rPr lang="en-US" smtClean="0"/>
-              <a:t>2/23/2020</a:t>
+              <a:t>2/25/2020</a:t>
             </a:fld>
             <a:endParaRPr lang="en-US"/>
           </a:p>
@@ -2566,7 +2566,7 @@
           <a:p>
             <a:fld id="{DBFDDC6D-30E6-4591-A5D6-EBA4A0A375E4}" type="datetimeFigureOut">
               <a:rPr lang="en-US" smtClean="0"/>
-              <a:t>2/23/2020</a:t>
+              <a:t>2/25/2020</a:t>
             </a:fld>
             <a:endParaRPr lang="en-US"/>
           </a:p>
@@ -3017,7 +3017,7 @@
         <p:spPr/>
         <p:txBody>
           <a:bodyPr>
-            <a:normAutofit/>
+            <a:normAutofit lnSpcReduction="10000"/>
           </a:bodyPr>
           <a:lstStyle/>
           <a:p>
@@ -3037,21 +3037,45 @@
             <a:pPr lvl="2"/>
             <a:r>
               <a:rPr lang="en-CA" dirty="0"/>
-              <a:t>Worksheet: Three Method 2D Analysis Comparison</a:t>
-            </a:r>
+              <a:t>Presentation: Review of Vector </a:t>
+            </a:r>
+            <a:r>
+              <a:rPr lang="en-CA" dirty="0" smtClean="0"/>
+              <a:t>Operations</a:t>
+            </a:r>
+          </a:p>
+          <a:p>
+            <a:pPr lvl="3"/>
+            <a:r>
+              <a:rPr lang="en-CA" smtClean="0"/>
+              <a:t>Yesterday's </a:t>
+            </a:r>
+            <a:r>
+              <a:rPr lang="en-CA" dirty="0" smtClean="0"/>
+              <a:t>Problem with Components</a:t>
+            </a:r>
+            <a:endParaRPr lang="en-CA" dirty="0"/>
           </a:p>
           <a:p>
             <a:pPr lvl="2"/>
             <a:r>
+              <a:rPr lang="en-CA" dirty="0" smtClean="0"/>
+              <a:t>Assignment: </a:t>
+            </a:r>
+            <a:r>
               <a:rPr lang="en-CA" dirty="0"/>
-              <a:t>HW: Component Analysis Worksheet</a:t>
+              <a:t>Three Method 2D Analysis Comparison</a:t>
             </a:r>
           </a:p>
           <a:p>
             <a:pPr lvl="1"/>
             <a:r>
+              <a:rPr lang="en-CA" dirty="0" smtClean="0"/>
+              <a:t>2D </a:t>
+            </a:r>
+            <a:r>
               <a:rPr lang="en-CA" dirty="0"/>
-              <a:t>2D Acceleration Vectors</a:t>
+              <a:t>Acceleration Vectors</a:t>
             </a:r>
           </a:p>
           <a:p>
@@ -3072,13 +3096,8 @@
             <a:pPr lvl="2"/>
             <a:r>
               <a:rPr lang="en-CA" dirty="0"/>
-              <a:t>HW: 2D Acceleration </a:t>
-            </a:r>
-            <a:r>
-              <a:rPr lang="en-CA"/>
-              <a:t>Worksheet Problems</a:t>
-            </a:r>
-            <a:endParaRPr lang="en-CA" dirty="0"/>
+              <a:t>HW: 2D Acceleration Worksheet Problems</a:t>
+            </a:r>
           </a:p>
           <a:p>
             <a:pPr marL="457200" lvl="1" indent="0">
